--- a/3rd-Grade/Fifth-Semester/Бизнес моделирование/Московка-АА-ПР13.pptx
+++ b/3rd-Grade/Fifth-Semester/Бизнес моделирование/Московка-АА-ПР13.pptx
@@ -251,7 +251,7 @@
           <a:p>
             <a:fld id="{0844395E-F673-49E0-9756-4DFF106F735D}" type="datetimeFigureOut">
               <a:rPr lang="ru-RU" smtClean="0"/>
-              <a:t>08.11.2021</a:t>
+              <a:t>13.11.2021</a:t>
             </a:fld>
             <a:endParaRPr lang="ru-RU"/>
           </a:p>
@@ -419,7 +419,7 @@
           <a:p>
             <a:fld id="{0844395E-F673-49E0-9756-4DFF106F735D}" type="datetimeFigureOut">
               <a:rPr lang="ru-RU" smtClean="0"/>
-              <a:t>08.11.2021</a:t>
+              <a:t>13.11.2021</a:t>
             </a:fld>
             <a:endParaRPr lang="ru-RU"/>
           </a:p>
@@ -597,7 +597,7 @@
           <a:p>
             <a:fld id="{0844395E-F673-49E0-9756-4DFF106F735D}" type="datetimeFigureOut">
               <a:rPr lang="ru-RU" smtClean="0"/>
-              <a:t>08.11.2021</a:t>
+              <a:t>13.11.2021</a:t>
             </a:fld>
             <a:endParaRPr lang="ru-RU"/>
           </a:p>
@@ -765,7 +765,7 @@
           <a:p>
             <a:fld id="{0844395E-F673-49E0-9756-4DFF106F735D}" type="datetimeFigureOut">
               <a:rPr lang="ru-RU" smtClean="0"/>
-              <a:t>08.11.2021</a:t>
+              <a:t>13.11.2021</a:t>
             </a:fld>
             <a:endParaRPr lang="ru-RU"/>
           </a:p>
@@ -1010,7 +1010,7 @@
           <a:p>
             <a:fld id="{0844395E-F673-49E0-9756-4DFF106F735D}" type="datetimeFigureOut">
               <a:rPr lang="ru-RU" smtClean="0"/>
-              <a:t>08.11.2021</a:t>
+              <a:t>13.11.2021</a:t>
             </a:fld>
             <a:endParaRPr lang="ru-RU"/>
           </a:p>
@@ -1239,7 +1239,7 @@
           <a:p>
             <a:fld id="{0844395E-F673-49E0-9756-4DFF106F735D}" type="datetimeFigureOut">
               <a:rPr lang="ru-RU" smtClean="0"/>
-              <a:t>08.11.2021</a:t>
+              <a:t>13.11.2021</a:t>
             </a:fld>
             <a:endParaRPr lang="ru-RU"/>
           </a:p>
@@ -1603,7 +1603,7 @@
           <a:p>
             <a:fld id="{0844395E-F673-49E0-9756-4DFF106F735D}" type="datetimeFigureOut">
               <a:rPr lang="ru-RU" smtClean="0"/>
-              <a:t>08.11.2021</a:t>
+              <a:t>13.11.2021</a:t>
             </a:fld>
             <a:endParaRPr lang="ru-RU"/>
           </a:p>
@@ -1720,7 +1720,7 @@
           <a:p>
             <a:fld id="{0844395E-F673-49E0-9756-4DFF106F735D}" type="datetimeFigureOut">
               <a:rPr lang="ru-RU" smtClean="0"/>
-              <a:t>08.11.2021</a:t>
+              <a:t>13.11.2021</a:t>
             </a:fld>
             <a:endParaRPr lang="ru-RU"/>
           </a:p>
@@ -1815,7 +1815,7 @@
           <a:p>
             <a:fld id="{0844395E-F673-49E0-9756-4DFF106F735D}" type="datetimeFigureOut">
               <a:rPr lang="ru-RU" smtClean="0"/>
-              <a:t>08.11.2021</a:t>
+              <a:t>13.11.2021</a:t>
             </a:fld>
             <a:endParaRPr lang="ru-RU"/>
           </a:p>
@@ -2090,7 +2090,7 @@
           <a:p>
             <a:fld id="{0844395E-F673-49E0-9756-4DFF106F735D}" type="datetimeFigureOut">
               <a:rPr lang="ru-RU" smtClean="0"/>
-              <a:t>08.11.2021</a:t>
+              <a:t>13.11.2021</a:t>
             </a:fld>
             <a:endParaRPr lang="ru-RU"/>
           </a:p>
@@ -2342,7 +2342,7 @@
           <a:p>
             <a:fld id="{0844395E-F673-49E0-9756-4DFF106F735D}" type="datetimeFigureOut">
               <a:rPr lang="ru-RU" smtClean="0"/>
-              <a:t>08.11.2021</a:t>
+              <a:t>13.11.2021</a:t>
             </a:fld>
             <a:endParaRPr lang="ru-RU"/>
           </a:p>
@@ -2553,7 +2553,7 @@
           <a:p>
             <a:fld id="{0844395E-F673-49E0-9756-4DFF106F735D}" type="datetimeFigureOut">
               <a:rPr lang="ru-RU" smtClean="0"/>
-              <a:t>08.11.2021</a:t>
+              <a:t>13.11.2021</a:t>
             </a:fld>
             <a:endParaRPr lang="ru-RU"/>
           </a:p>
@@ -3434,7 +3434,7 @@
                 <a:latin typeface="Times New Roman" panose="02020603050405020304" pitchFamily="18" charset="0"/>
                 <a:cs typeface="Times New Roman" panose="02020603050405020304" pitchFamily="18" charset="0"/>
               </a:rPr>
-              <a:t>Описание подпроцесса «Подготовка продуктов для приготовления»</a:t>
+              <a:t>Описание подпроцесса «Компоновка составляющих»</a:t>
             </a:r>
             <a:endParaRPr lang="en-US" sz="2800" dirty="0"/>
           </a:p>
@@ -3969,10 +3969,10 @@
       </p:sp>
       <p:pic>
         <p:nvPicPr>
-          <p:cNvPr id="7" name="Объект 6">
+          <p:cNvPr id="6" name="Объект 5">
             <a:extLst>
               <a:ext uri="{FF2B5EF4-FFF2-40B4-BE49-F238E27FC236}">
-                <a16:creationId xmlns:a16="http://schemas.microsoft.com/office/drawing/2014/main" id="{93906D7D-70DF-41BA-9344-EFA740C2B8B2}"/>
+                <a16:creationId xmlns:a16="http://schemas.microsoft.com/office/drawing/2014/main" id="{6E30E2A0-FE9F-481D-B02A-99AF6A3AD850}"/>
               </a:ext>
             </a:extLst>
           </p:cNvPr>
@@ -3984,22 +3984,19 @@
           </p:nvPr>
         </p:nvPicPr>
         <p:blipFill>
-          <a:blip r:embed="rId2">
-            <a:extLst>
-              <a:ext uri="{28A0092B-C50C-407E-A947-70E740481C1C}">
-                <a14:useLocalDpi xmlns:a14="http://schemas.microsoft.com/office/drawing/2010/main" val="0"/>
-              </a:ext>
-            </a:extLst>
-          </a:blip>
+          <a:blip r:embed="rId2"/>
           <a:stretch>
             <a:fillRect/>
           </a:stretch>
         </p:blipFill>
         <p:spPr>
           <a:xfrm>
-            <a:off x="1261388" y="1285576"/>
-            <a:ext cx="9669224" cy="4286848"/>
+            <a:off x="1675783" y="2034107"/>
+            <a:ext cx="8840434" cy="3934374"/>
           </a:xfrm>
+          <a:prstGeom prst="rect">
+            <a:avLst/>
+          </a:prstGeom>
         </p:spPr>
       </p:pic>
     </p:spTree>
@@ -4066,10 +4063,10 @@
       </p:sp>
       <p:pic>
         <p:nvPicPr>
-          <p:cNvPr id="6" name="Объект 5">
+          <p:cNvPr id="5" name="Объект 4">
             <a:extLst>
               <a:ext uri="{FF2B5EF4-FFF2-40B4-BE49-F238E27FC236}">
-                <a16:creationId xmlns:a16="http://schemas.microsoft.com/office/drawing/2014/main" id="{02AD16C4-D39A-46F0-8FBE-75135266A27A}"/>
+                <a16:creationId xmlns:a16="http://schemas.microsoft.com/office/drawing/2014/main" id="{B9E2CA10-D3E8-444E-9595-F0F98D6D7E41}"/>
               </a:ext>
             </a:extLst>
           </p:cNvPr>
@@ -4081,22 +4078,19 @@
           </p:nvPr>
         </p:nvPicPr>
         <p:blipFill>
-          <a:blip r:embed="rId2">
-            <a:extLst>
-              <a:ext uri="{28A0092B-C50C-407E-A947-70E740481C1C}">
-                <a14:useLocalDpi xmlns:a14="http://schemas.microsoft.com/office/drawing/2010/main" val="0"/>
-              </a:ext>
-            </a:extLst>
-          </a:blip>
+          <a:blip r:embed="rId2"/>
           <a:stretch>
             <a:fillRect/>
           </a:stretch>
         </p:blipFill>
         <p:spPr>
           <a:xfrm>
-            <a:off x="838200" y="2168389"/>
-            <a:ext cx="10515600" cy="3665809"/>
+            <a:off x="838200" y="2220985"/>
+            <a:ext cx="10515600" cy="3560617"/>
           </a:xfrm>
+          <a:prstGeom prst="rect">
+            <a:avLst/>
+          </a:prstGeom>
         </p:spPr>
       </p:pic>
     </p:spTree>
@@ -4296,10 +4290,10 @@
       </p:sp>
       <p:pic>
         <p:nvPicPr>
-          <p:cNvPr id="6" name="Объект 5">
+          <p:cNvPr id="5" name="Объект 4">
             <a:extLst>
               <a:ext uri="{FF2B5EF4-FFF2-40B4-BE49-F238E27FC236}">
-                <a16:creationId xmlns:a16="http://schemas.microsoft.com/office/drawing/2014/main" id="{87556EF6-56AA-436F-9153-C31BE778C311}"/>
+                <a16:creationId xmlns:a16="http://schemas.microsoft.com/office/drawing/2014/main" id="{FF3BA1D9-C049-4818-82B1-FB333815DE26}"/>
               </a:ext>
             </a:extLst>
           </p:cNvPr>
@@ -4311,22 +4305,19 @@
           </p:nvPr>
         </p:nvPicPr>
         <p:blipFill>
-          <a:blip r:embed="rId2">
-            <a:extLst>
-              <a:ext uri="{28A0092B-C50C-407E-A947-70E740481C1C}">
-                <a14:useLocalDpi xmlns:a14="http://schemas.microsoft.com/office/drawing/2010/main" val="0"/>
-              </a:ext>
-            </a:extLst>
-          </a:blip>
+          <a:blip r:embed="rId2"/>
           <a:stretch>
             <a:fillRect/>
           </a:stretch>
         </p:blipFill>
         <p:spPr>
           <a:xfrm>
-            <a:off x="1580651" y="1825625"/>
-            <a:ext cx="9030699" cy="4351338"/>
+            <a:off x="1328834" y="1825625"/>
+            <a:ext cx="9534331" cy="4351338"/>
           </a:xfrm>
+          <a:prstGeom prst="rect">
+            <a:avLst/>
+          </a:prstGeom>
         </p:spPr>
       </p:pic>
     </p:spTree>
@@ -4381,7 +4372,7 @@
                 <a:latin typeface="Times New Roman" panose="02020603050405020304" pitchFamily="18" charset="0"/>
                 <a:cs typeface="Times New Roman" panose="02020603050405020304" pitchFamily="18" charset="0"/>
               </a:rPr>
-              <a:t>Описание подпроцесса «Подготовка продуктов для приготовления»</a:t>
+              <a:t>Описание подпроцесса «Приготовление фарша»</a:t>
             </a:r>
           </a:p>
         </p:txBody>
@@ -4517,10 +4508,10 @@
       </p:sp>
       <p:pic>
         <p:nvPicPr>
-          <p:cNvPr id="11" name="Объект 10">
+          <p:cNvPr id="5" name="Объект 4">
             <a:extLst>
               <a:ext uri="{FF2B5EF4-FFF2-40B4-BE49-F238E27FC236}">
-                <a16:creationId xmlns:a16="http://schemas.microsoft.com/office/drawing/2014/main" id="{81D2F71F-B51A-45A6-A463-0500B05F4DC6}"/>
+                <a16:creationId xmlns:a16="http://schemas.microsoft.com/office/drawing/2014/main" id="{ECFA8B31-0502-428B-9207-CE66C30D4951}"/>
               </a:ext>
             </a:extLst>
           </p:cNvPr>
@@ -4532,22 +4523,19 @@
           </p:nvPr>
         </p:nvPicPr>
         <p:blipFill>
-          <a:blip r:embed="rId2">
-            <a:extLst>
-              <a:ext uri="{28A0092B-C50C-407E-A947-70E740481C1C}">
-                <a14:useLocalDpi xmlns:a14="http://schemas.microsoft.com/office/drawing/2010/main" val="0"/>
-              </a:ext>
-            </a:extLst>
-          </a:blip>
+          <a:blip r:embed="rId2"/>
           <a:stretch>
             <a:fillRect/>
           </a:stretch>
         </p:blipFill>
         <p:spPr>
           <a:xfrm>
-            <a:off x="2356475" y="1825625"/>
-            <a:ext cx="7479049" cy="4351338"/>
+            <a:off x="2077056" y="1825625"/>
+            <a:ext cx="8037888" cy="4351338"/>
           </a:xfrm>
+          <a:prstGeom prst="rect">
+            <a:avLst/>
+          </a:prstGeom>
         </p:spPr>
       </p:pic>
     </p:spTree>
